--- a/figures/sup/bird-genome-streamlining.pptx
+++ b/figures/sup/bird-genome-streamlining.pptx
@@ -257,7 +257,7 @@
       </p15:sldGuideLst>
     </p:ext>
     <p:ext uri="http://customooxmlschemas.google.com/">
-      <go:slidesCustomData xmlns:go="http://customooxmlschemas.google.com/" xmlns:ahyp="http://schemas.microsoft.com/office/drawing/2018/hyperlinkcolor" xmlns:p15="http://schemas.microsoft.com/office/powerpoint/2012/main" xmlns:p14="http://schemas.microsoft.com/office/powerpoint/2010/main" xmlns:com="http://schemas.openxmlformats.org/drawingml/2006/compatibility" xmlns:pvml="urn:schemas-microsoft-com:office:powerpoint" xmlns:v="urn:schemas-microsoft-com:vml" xmlns:o="urn:schemas-microsoft-com:office:office" xmlns:dgm="http://schemas.openxmlformats.org/drawingml/2006/diagram" xmlns:c="http://schemas.openxmlformats.org/drawingml/2006/chart" xmlns:mv="urn:schemas-microsoft-com:mac:vml" xmlns:mc="http://schemas.openxmlformats.org/markup-compatibility/2006" xmlns="" r:id="rId10" roundtripDataSignature="AMtx7mhiytGPk8UOxiAGs9KaAxakDbg4SQ=="/>
+      <go:slidesCustomData xmlns="" xmlns:mc="http://schemas.openxmlformats.org/markup-compatibility/2006" xmlns:mv="urn:schemas-microsoft-com:mac:vml" xmlns:c="http://schemas.openxmlformats.org/drawingml/2006/chart" xmlns:dgm="http://schemas.openxmlformats.org/drawingml/2006/diagram" xmlns:o="urn:schemas-microsoft-com:office:office" xmlns:v="urn:schemas-microsoft-com:vml" xmlns:pvml="urn:schemas-microsoft-com:office:powerpoint" xmlns:com="http://schemas.openxmlformats.org/drawingml/2006/compatibility" xmlns:p14="http://schemas.microsoft.com/office/powerpoint/2010/main" xmlns:p15="http://schemas.microsoft.com/office/powerpoint/2012/main" xmlns:ahyp="http://schemas.microsoft.com/office/drawing/2018/hyperlinkcolor" xmlns:go="http://customooxmlschemas.google.com/" r:id="rId10" roundtripDataSignature="AMtx7mhiytGPk8UOxiAGs9KaAxakDbg4SQ=="/>
     </p:ext>
   </p:extLst>
 </p:presentation>
@@ -12628,10 +12628,10 @@
       </p:grpSpPr>
       <p:pic>
         <p:nvPicPr>
-          <p:cNvPr id="3" name="Graphic 2">
+          <p:cNvPr id="4" name="Graphic 3">
             <a:extLst>
               <a:ext uri="{FF2B5EF4-FFF2-40B4-BE49-F238E27FC236}">
-                <a16:creationId xmlns:a16="http://schemas.microsoft.com/office/drawing/2014/main" id="{46FD4B3A-3A4F-38DB-7535-A60897E1F849}"/>
+                <a16:creationId xmlns:a16="http://schemas.microsoft.com/office/drawing/2014/main" id="{8F6877CB-D838-EB60-F292-71F8C3D4DA1B}"/>
               </a:ext>
             </a:extLst>
           </p:cNvPr>
@@ -12648,13 +12648,15 @@
               </a:ext>
             </a:extLst>
           </a:blip>
-          <a:srcRect l="1709" t="15347" r="5786" b="8077"/>
-          <a:stretch/>
+          <a:srcRect l="1641" t="15113" r="5413" b="7730"/>
+          <a:stretch>
+            <a:fillRect/>
+          </a:stretch>
         </p:blipFill>
         <p:spPr>
           <a:xfrm>
-            <a:off x="-1" y="10058400"/>
-            <a:ext cx="36556709" cy="22860000"/>
+            <a:off x="0" y="11230984"/>
+            <a:ext cx="36576000" cy="21687416"/>
           </a:xfrm>
           <a:prstGeom prst="rect">
             <a:avLst/>

--- a/figures/sup/bird-genome-streamlining.pptx
+++ b/figures/sup/bird-genome-streamlining.pptx
@@ -257,7 +257,7 @@
       </p15:sldGuideLst>
     </p:ext>
     <p:ext uri="http://customooxmlschemas.google.com/">
-      <go:slidesCustomData xmlns="" xmlns:mc="http://schemas.openxmlformats.org/markup-compatibility/2006" xmlns:mv="urn:schemas-microsoft-com:mac:vml" xmlns:c="http://schemas.openxmlformats.org/drawingml/2006/chart" xmlns:dgm="http://schemas.openxmlformats.org/drawingml/2006/diagram" xmlns:o="urn:schemas-microsoft-com:office:office" xmlns:v="urn:schemas-microsoft-com:vml" xmlns:pvml="urn:schemas-microsoft-com:office:powerpoint" xmlns:com="http://schemas.openxmlformats.org/drawingml/2006/compatibility" xmlns:p14="http://schemas.microsoft.com/office/powerpoint/2010/main" xmlns:p15="http://schemas.microsoft.com/office/powerpoint/2012/main" xmlns:ahyp="http://schemas.microsoft.com/office/drawing/2018/hyperlinkcolor" xmlns:go="http://customooxmlschemas.google.com/" r:id="rId10" roundtripDataSignature="AMtx7mhiytGPk8UOxiAGs9KaAxakDbg4SQ=="/>
+      <go:slidesCustomData xmlns:go="http://customooxmlschemas.google.com/" xmlns:ahyp="http://schemas.microsoft.com/office/drawing/2018/hyperlinkcolor" xmlns:p15="http://schemas.microsoft.com/office/powerpoint/2012/main" xmlns:p14="http://schemas.microsoft.com/office/powerpoint/2010/main" xmlns:com="http://schemas.openxmlformats.org/drawingml/2006/compatibility" xmlns:pvml="urn:schemas-microsoft-com:office:powerpoint" xmlns:v="urn:schemas-microsoft-com:vml" xmlns:o="urn:schemas-microsoft-com:office:office" xmlns:dgm="http://schemas.openxmlformats.org/drawingml/2006/diagram" xmlns:c="http://schemas.openxmlformats.org/drawingml/2006/chart" xmlns:mv="urn:schemas-microsoft-com:mac:vml" xmlns:mc="http://schemas.openxmlformats.org/markup-compatibility/2006" xmlns="" r:id="rId10" roundtripDataSignature="AMtx7mhiytGPk8UOxiAGs9KaAxakDbg4SQ=="/>
     </p:ext>
   </p:extLst>
 </p:presentation>

--- a/figures/sup/bird-genome-streamlining.pptx
+++ b/figures/sup/bird-genome-streamlining.pptx
@@ -257,7 +257,7 @@
       </p15:sldGuideLst>
     </p:ext>
     <p:ext uri="http://customooxmlschemas.google.com/">
-      <go:slidesCustomData xmlns:go="http://customooxmlschemas.google.com/" xmlns:ahyp="http://schemas.microsoft.com/office/drawing/2018/hyperlinkcolor" xmlns:p15="http://schemas.microsoft.com/office/powerpoint/2012/main" xmlns:p14="http://schemas.microsoft.com/office/powerpoint/2010/main" xmlns:com="http://schemas.openxmlformats.org/drawingml/2006/compatibility" xmlns:pvml="urn:schemas-microsoft-com:office:powerpoint" xmlns:v="urn:schemas-microsoft-com:vml" xmlns:o="urn:schemas-microsoft-com:office:office" xmlns:dgm="http://schemas.openxmlformats.org/drawingml/2006/diagram" xmlns:c="http://schemas.openxmlformats.org/drawingml/2006/chart" xmlns:mv="urn:schemas-microsoft-com:mac:vml" xmlns:mc="http://schemas.openxmlformats.org/markup-compatibility/2006" xmlns="" r:id="rId10" roundtripDataSignature="AMtx7mhiytGPk8UOxiAGs9KaAxakDbg4SQ=="/>
+      <go:slidesCustomData xmlns="" xmlns:mc="http://schemas.openxmlformats.org/markup-compatibility/2006" xmlns:mv="urn:schemas-microsoft-com:mac:vml" xmlns:c="http://schemas.openxmlformats.org/drawingml/2006/chart" xmlns:dgm="http://schemas.openxmlformats.org/drawingml/2006/diagram" xmlns:o="urn:schemas-microsoft-com:office:office" xmlns:v="urn:schemas-microsoft-com:vml" xmlns:pvml="urn:schemas-microsoft-com:office:powerpoint" xmlns:com="http://schemas.openxmlformats.org/drawingml/2006/compatibility" xmlns:p14="http://schemas.microsoft.com/office/powerpoint/2010/main" xmlns:p15="http://schemas.microsoft.com/office/powerpoint/2012/main" xmlns:ahyp="http://schemas.microsoft.com/office/drawing/2018/hyperlinkcolor" xmlns:go="http://customooxmlschemas.google.com/" r:id="rId10" roundtripDataSignature="AMtx7mhiytGPk8UOxiAGs9KaAxakDbg4SQ=="/>
     </p:ext>
   </p:extLst>
 </p:presentation>
@@ -12628,10 +12628,10 @@
       </p:grpSpPr>
       <p:pic>
         <p:nvPicPr>
-          <p:cNvPr id="4" name="Graphic 3">
+          <p:cNvPr id="3" name="Graphic 2">
             <a:extLst>
               <a:ext uri="{FF2B5EF4-FFF2-40B4-BE49-F238E27FC236}">
-                <a16:creationId xmlns:a16="http://schemas.microsoft.com/office/drawing/2014/main" id="{8F6877CB-D838-EB60-F292-71F8C3D4DA1B}"/>
+                <a16:creationId xmlns:a16="http://schemas.microsoft.com/office/drawing/2014/main" id="{5451262B-1E97-4F3C-D2A7-E8C692EDC45F}"/>
               </a:ext>
             </a:extLst>
           </p:cNvPr>
@@ -12648,15 +12648,15 @@
               </a:ext>
             </a:extLst>
           </a:blip>
-          <a:srcRect l="1641" t="15113" r="5413" b="7730"/>
+          <a:srcRect l="1625" t="14885" r="5250" b="7593"/>
           <a:stretch>
             <a:fillRect/>
           </a:stretch>
         </p:blipFill>
         <p:spPr>
           <a:xfrm>
-            <a:off x="0" y="11230984"/>
-            <a:ext cx="36576000" cy="21687416"/>
+            <a:off x="0" y="11365562"/>
+            <a:ext cx="36576000" cy="21552838"/>
           </a:xfrm>
           <a:prstGeom prst="rect">
             <a:avLst/>
